--- a/GENEFOREMER_useful.pptx
+++ b/GENEFOREMER_useful.pptx
@@ -5417,11 +5417,11 @@
         <p:spPr>
           <a:xfrm>
             <a:off x="198343" y="900359"/>
-            <a:ext cx="5307107" cy="1295221"/>
+            <a:ext cx="5307107" cy="1773301"/>
           </a:xfrm>
           <a:prstGeom prst="roundRect">
             <a:avLst>
-              <a:gd name="adj" fmla="val 10311"/>
+              <a:gd name="adj" fmla="val 7217"/>
             </a:avLst>
           </a:prstGeom>
           <a:solidFill>
@@ -5523,8 +5523,8 @@
         </p:nvSpPr>
         <p:spPr>
           <a:xfrm>
-            <a:off x="323849" y="1084001"/>
-            <a:ext cx="4702714" cy="1015663"/>
+            <a:off x="323848" y="1084001"/>
+            <a:ext cx="5372864" cy="1569660"/>
           </a:xfrm>
           <a:prstGeom prst="rect">
             <a:avLst/>
@@ -5583,6 +5583,33 @@
                 <a:sym typeface="Wingdings" panose="05000000000000000000" pitchFamily="2" charset="2"/>
               </a:rPr>
               <a:t> Senescence. </a:t>
+            </a:r>
+          </a:p>
+          <a:p>
+            <a:endParaRPr lang="en-IN" sz="1200" dirty="0">
+              <a:latin typeface="Calibri" panose="020F0502020204030204" pitchFamily="34" charset="0"/>
+              <a:ea typeface="Calibri" panose="020F0502020204030204" pitchFamily="34" charset="0"/>
+              <a:cs typeface="Calibri" panose="020F0502020204030204" pitchFamily="34" charset="0"/>
+              <a:sym typeface="Wingdings" panose="05000000000000000000" pitchFamily="2" charset="2"/>
+            </a:endParaRPr>
+          </a:p>
+          <a:p>
+            <a:endParaRPr lang="en-IN" sz="1200" dirty="0">
+              <a:latin typeface="Calibri" panose="020F0502020204030204" pitchFamily="34" charset="0"/>
+              <a:ea typeface="Calibri" panose="020F0502020204030204" pitchFamily="34" charset="0"/>
+              <a:cs typeface="Calibri" panose="020F0502020204030204" pitchFamily="34" charset="0"/>
+              <a:sym typeface="Wingdings" panose="05000000000000000000" pitchFamily="2" charset="2"/>
+            </a:endParaRPr>
+          </a:p>
+          <a:p>
+            <a:r>
+              <a:rPr lang="en-IN" sz="1200" dirty="0">
+                <a:latin typeface="Calibri" panose="020F0502020204030204" pitchFamily="34" charset="0"/>
+                <a:ea typeface="Calibri" panose="020F0502020204030204" pitchFamily="34" charset="0"/>
+                <a:cs typeface="Calibri" panose="020F0502020204030204" pitchFamily="34" charset="0"/>
+                <a:sym typeface="Wingdings" panose="05000000000000000000" pitchFamily="2" charset="2"/>
+              </a:rPr>
+              <a:t>Classification                            generate embeddings                               perturbation</a:t>
             </a:r>
           </a:p>
           <a:p>
@@ -5864,7 +5891,7 @@
         </p:nvSpPr>
         <p:spPr>
           <a:xfrm>
-            <a:off x="187500" y="2459322"/>
+            <a:off x="187500" y="2879018"/>
             <a:ext cx="5307107" cy="887131"/>
           </a:xfrm>
           <a:prstGeom prst="roundRect">
@@ -5910,7 +5937,7 @@
         </p:nvSpPr>
         <p:spPr>
           <a:xfrm>
-            <a:off x="198342" y="3742546"/>
+            <a:off x="198341" y="4017585"/>
             <a:ext cx="5307107" cy="1048752"/>
           </a:xfrm>
           <a:prstGeom prst="roundRect">
@@ -5963,7 +5990,7 @@
         </p:nvSpPr>
         <p:spPr>
           <a:xfrm>
-            <a:off x="359944" y="2352133"/>
+            <a:off x="408070" y="2784194"/>
             <a:ext cx="826112" cy="191549"/>
           </a:xfrm>
           <a:prstGeom prst="rect">
@@ -6138,7 +6165,7 @@
         </p:nvSpPr>
         <p:spPr>
           <a:xfrm>
-            <a:off x="323849" y="2770228"/>
+            <a:off x="323848" y="3261257"/>
             <a:ext cx="4702714" cy="461665"/>
           </a:xfrm>
           <a:prstGeom prst="rect">
@@ -6184,7 +6211,7 @@
         </p:nvSpPr>
         <p:spPr>
           <a:xfrm>
-            <a:off x="371976" y="3658242"/>
+            <a:off x="371975" y="3933281"/>
             <a:ext cx="862207" cy="191549"/>
           </a:xfrm>
           <a:prstGeom prst="rect">
@@ -6245,7 +6272,7 @@
         </p:nvSpPr>
         <p:spPr>
           <a:xfrm>
-            <a:off x="323849" y="3960301"/>
+            <a:off x="323848" y="4235340"/>
             <a:ext cx="4702714" cy="830997"/>
           </a:xfrm>
           <a:prstGeom prst="rect">
@@ -6537,6 +6564,213 @@
           </a:p>
         </p:txBody>
       </p:sp>
+      <p:sp>
+        <p:nvSpPr>
+          <p:cNvPr id="4" name="Oval 3">
+            <a:extLst>
+              <a:ext uri="{FF2B5EF4-FFF2-40B4-BE49-F238E27FC236}">
+                <a16:creationId xmlns:a16="http://schemas.microsoft.com/office/drawing/2014/main" id="{C0B36AEB-4DD8-6662-EF68-5E5DEB8DB91D}"/>
+              </a:ext>
+            </a:extLst>
+          </p:cNvPr>
+          <p:cNvSpPr/>
+          <p:nvPr/>
+        </p:nvSpPr>
+        <p:spPr>
+          <a:xfrm>
+            <a:off x="539496" y="1865376"/>
+            <a:ext cx="173736" cy="164592"/>
+          </a:xfrm>
+          <a:prstGeom prst="ellipse">
+            <a:avLst/>
+          </a:prstGeom>
+          <a:solidFill>
+            <a:srgbClr val="41B883"/>
+          </a:solidFill>
+          <a:ln>
+            <a:solidFill>
+              <a:srgbClr val="41B883"/>
+            </a:solidFill>
+          </a:ln>
+        </p:spPr>
+        <p:style>
+          <a:lnRef idx="2">
+            <a:schemeClr val="accent1">
+              <a:shade val="15000"/>
+            </a:schemeClr>
+          </a:lnRef>
+          <a:fillRef idx="1">
+            <a:schemeClr val="accent1"/>
+          </a:fillRef>
+          <a:effectRef idx="0">
+            <a:schemeClr val="accent1"/>
+          </a:effectRef>
+          <a:fontRef idx="minor">
+            <a:schemeClr val="lt1"/>
+          </a:fontRef>
+        </p:style>
+        <p:txBody>
+          <a:bodyPr rtlCol="0" anchor="ctr"/>
+          <a:lstStyle/>
+          <a:p>
+            <a:pPr algn="ctr"/>
+            <a:endParaRPr lang="en-IN"/>
+          </a:p>
+        </p:txBody>
+      </p:sp>
+      <p:sp>
+        <p:nvSpPr>
+          <p:cNvPr id="8" name="Oval 7">
+            <a:extLst>
+              <a:ext uri="{FF2B5EF4-FFF2-40B4-BE49-F238E27FC236}">
+                <a16:creationId xmlns:a16="http://schemas.microsoft.com/office/drawing/2014/main" id="{B0FD1D67-2AB8-E616-AE37-BECEB1D3E57F}"/>
+              </a:ext>
+            </a:extLst>
+          </p:cNvPr>
+          <p:cNvSpPr/>
+          <p:nvPr/>
+        </p:nvSpPr>
+        <p:spPr>
+          <a:xfrm>
+            <a:off x="2509841" y="1848067"/>
+            <a:ext cx="173736" cy="164592"/>
+          </a:xfrm>
+          <a:prstGeom prst="ellipse">
+            <a:avLst/>
+          </a:prstGeom>
+          <a:solidFill>
+            <a:srgbClr val="41B883"/>
+          </a:solidFill>
+          <a:ln>
+            <a:solidFill>
+              <a:srgbClr val="41B883"/>
+            </a:solidFill>
+          </a:ln>
+        </p:spPr>
+        <p:style>
+          <a:lnRef idx="2">
+            <a:schemeClr val="accent1">
+              <a:shade val="15000"/>
+            </a:schemeClr>
+          </a:lnRef>
+          <a:fillRef idx="1">
+            <a:schemeClr val="accent1"/>
+          </a:fillRef>
+          <a:effectRef idx="0">
+            <a:schemeClr val="accent1"/>
+          </a:effectRef>
+          <a:fontRef idx="minor">
+            <a:schemeClr val="lt1"/>
+          </a:fontRef>
+        </p:style>
+        <p:txBody>
+          <a:bodyPr rtlCol="0" anchor="ctr"/>
+          <a:lstStyle/>
+          <a:p>
+            <a:pPr algn="ctr"/>
+            <a:endParaRPr lang="en-IN"/>
+          </a:p>
+        </p:txBody>
+      </p:sp>
+      <p:sp>
+        <p:nvSpPr>
+          <p:cNvPr id="9" name="Oval 8">
+            <a:extLst>
+              <a:ext uri="{FF2B5EF4-FFF2-40B4-BE49-F238E27FC236}">
+                <a16:creationId xmlns:a16="http://schemas.microsoft.com/office/drawing/2014/main" id="{B40E8219-B301-BBCE-C832-F241F6EFF086}"/>
+              </a:ext>
+            </a:extLst>
+          </p:cNvPr>
+          <p:cNvSpPr/>
+          <p:nvPr/>
+        </p:nvSpPr>
+        <p:spPr>
+          <a:xfrm>
+            <a:off x="4976614" y="1848067"/>
+            <a:ext cx="173736" cy="164592"/>
+          </a:xfrm>
+          <a:prstGeom prst="ellipse">
+            <a:avLst/>
+          </a:prstGeom>
+          <a:solidFill>
+            <a:srgbClr val="41B883"/>
+          </a:solidFill>
+          <a:ln>
+            <a:solidFill>
+              <a:srgbClr val="41B883"/>
+            </a:solidFill>
+          </a:ln>
+        </p:spPr>
+        <p:style>
+          <a:lnRef idx="2">
+            <a:schemeClr val="accent1">
+              <a:shade val="15000"/>
+            </a:schemeClr>
+          </a:lnRef>
+          <a:fillRef idx="1">
+            <a:schemeClr val="accent1"/>
+          </a:fillRef>
+          <a:effectRef idx="0">
+            <a:schemeClr val="accent1"/>
+          </a:effectRef>
+          <a:fontRef idx="minor">
+            <a:schemeClr val="lt1"/>
+          </a:fontRef>
+        </p:style>
+        <p:txBody>
+          <a:bodyPr rtlCol="0" anchor="ctr"/>
+          <a:lstStyle/>
+          <a:p>
+            <a:pPr algn="ctr"/>
+            <a:endParaRPr lang="en-IN"/>
+          </a:p>
+        </p:txBody>
+      </p:sp>
+      <p:cxnSp>
+        <p:nvCxnSpPr>
+          <p:cNvPr id="11" name="Straight Connector 10">
+            <a:extLst>
+              <a:ext uri="{FF2B5EF4-FFF2-40B4-BE49-F238E27FC236}">
+                <a16:creationId xmlns:a16="http://schemas.microsoft.com/office/drawing/2014/main" id="{3ACBB913-C60C-9C43-0B62-A8FC83CA1C17}"/>
+              </a:ext>
+            </a:extLst>
+          </p:cNvPr>
+          <p:cNvCxnSpPr>
+            <a:cxnSpLocks/>
+            <a:stCxn id="4" idx="6"/>
+            <a:endCxn id="9" idx="2"/>
+          </p:cNvCxnSpPr>
+          <p:nvPr/>
+        </p:nvCxnSpPr>
+        <p:spPr>
+          <a:xfrm flipV="1">
+            <a:off x="713232" y="1930363"/>
+            <a:ext cx="4263382" cy="17309"/>
+          </a:xfrm>
+          <a:prstGeom prst="line">
+            <a:avLst/>
+          </a:prstGeom>
+          <a:ln>
+            <a:solidFill>
+              <a:srgbClr val="41B883"/>
+            </a:solidFill>
+          </a:ln>
+        </p:spPr>
+        <p:style>
+          <a:lnRef idx="1">
+            <a:schemeClr val="accent1"/>
+          </a:lnRef>
+          <a:fillRef idx="0">
+            <a:schemeClr val="accent1"/>
+          </a:fillRef>
+          <a:effectRef idx="0">
+            <a:schemeClr val="accent1"/>
+          </a:effectRef>
+          <a:fontRef idx="minor">
+            <a:schemeClr val="tx1"/>
+          </a:fontRef>
+        </p:style>
+      </p:cxnSp>
     </p:spTree>
     <p:extLst>
       <p:ext uri="{BB962C8B-B14F-4D97-AF65-F5344CB8AC3E}">
